--- a/create-a-project-from-cost-opt-20260216155253/artifacts/kickoff-deck.pptx
+++ b/create-a-project-from-cost-opt-20260216155253/artifacts/kickoff-deck.pptx
@@ -979,7 +979,7 @@
 </file>
 
 <file path=ppt/slideLayouts/slideLayout1.xml><?xml version="1.0" encoding="utf-8"?>
-<p:sldLayout xmlns:a="http://schemas.openxmlformats.org/drawingml/2006/main" xmlns:r="http://schemas.openxmlformats.org/officeDocument/2006/relationships" xmlns:p="http://schemas.openxmlformats.org/presentationml/2006/main" userDrawn="1">
+<p:sldLayout xmlns:a16="http://schemas.microsoft.com/office/drawing/2014/main" xmlns:a14="http://schemas.microsoft.com/office/drawing/2010/main" xmlns:p14="http://schemas.microsoft.com/office/powerpoint/2010/main" xmlns:a="http://schemas.openxmlformats.org/drawingml/2006/main" xmlns:r="http://schemas.openxmlformats.org/officeDocument/2006/relationships" xmlns:p="http://schemas.openxmlformats.org/presentationml/2006/main" userDrawn="1">
   <p:cSld name="Intro Slide">
     <p:spTree>
       <p:nvGrpSpPr>
@@ -1417,7 +1417,7 @@
 </file>
 
 <file path=ppt/slideLayouts/slideLayout2.xml><?xml version="1.0" encoding="utf-8"?>
-<p:sldLayout xmlns:a="http://schemas.openxmlformats.org/drawingml/2006/main" xmlns:r="http://schemas.openxmlformats.org/officeDocument/2006/relationships" xmlns:p="http://schemas.openxmlformats.org/presentationml/2006/main" userDrawn="1">
+<p:sldLayout xmlns:a16="http://schemas.microsoft.com/office/drawing/2014/main" xmlns:a14="http://schemas.microsoft.com/office/drawing/2010/main" xmlns:p14="http://schemas.microsoft.com/office/powerpoint/2010/main" xmlns:a="http://schemas.openxmlformats.org/drawingml/2006/main" xmlns:r="http://schemas.openxmlformats.org/officeDocument/2006/relationships" xmlns:p="http://schemas.openxmlformats.org/presentationml/2006/main" userDrawn="1">
   <p:cSld name="Content Slide_with Eyebrow">
     <p:spTree>
       <p:nvGrpSpPr>
@@ -2651,7 +2651,7 @@
 </file>
 
 <file path=ppt/slideLayouts/slideLayout3.xml><?xml version="1.0" encoding="utf-8"?>
-<p:sldLayout xmlns:a="http://schemas.openxmlformats.org/drawingml/2006/main" xmlns:r="http://schemas.openxmlformats.org/officeDocument/2006/relationships" xmlns:p="http://schemas.openxmlformats.org/presentationml/2006/main" preserve="1" userDrawn="1">
+<p:sldLayout xmlns:a16="http://schemas.microsoft.com/office/drawing/2014/main" xmlns:a14="http://schemas.microsoft.com/office/drawing/2010/main" xmlns:p14="http://schemas.microsoft.com/office/powerpoint/2010/main" xmlns:a="http://schemas.openxmlformats.org/drawingml/2006/main" xmlns:r="http://schemas.openxmlformats.org/officeDocument/2006/relationships" xmlns:p="http://schemas.openxmlformats.org/presentationml/2006/main" preserve="1" userDrawn="1">
   <p:cSld name="Tertiary Section Intro">
     <p:spTree>
       <p:nvGrpSpPr>
@@ -3045,7 +3045,7 @@
 </file>
 
 <file path=ppt/slideLayouts/slideLayout4.xml><?xml version="1.0" encoding="utf-8"?>
-<p:sldLayout xmlns:a="http://schemas.openxmlformats.org/drawingml/2006/main" xmlns:r="http://schemas.openxmlformats.org/officeDocument/2006/relationships" xmlns:p="http://schemas.openxmlformats.org/presentationml/2006/main" preserve="1" userDrawn="1">
+<p:sldLayout xmlns:a16="http://schemas.microsoft.com/office/drawing/2014/main" xmlns:a14="http://schemas.microsoft.com/office/drawing/2010/main" xmlns:p14="http://schemas.microsoft.com/office/powerpoint/2010/main" xmlns:a="http://schemas.openxmlformats.org/drawingml/2006/main" xmlns:r="http://schemas.openxmlformats.org/officeDocument/2006/relationships" xmlns:p="http://schemas.openxmlformats.org/presentationml/2006/main" preserve="1" userDrawn="1">
   <p:cSld name="1_Custom Layout">
     <p:spTree>
       <p:nvGrpSpPr>
@@ -5024,7 +5024,7 @@
 </file>
 
 <file path=ppt/slideLayouts/slideLayout5.xml><?xml version="1.0" encoding="utf-8"?>
-<p:sldLayout xmlns:a="http://schemas.openxmlformats.org/drawingml/2006/main" xmlns:r="http://schemas.openxmlformats.org/officeDocument/2006/relationships" xmlns:p="http://schemas.openxmlformats.org/presentationml/2006/main" preserve="1" userDrawn="1">
+<p:sldLayout xmlns:a16="http://schemas.microsoft.com/office/drawing/2014/main" xmlns:a14="http://schemas.microsoft.com/office/drawing/2010/main" xmlns:p14="http://schemas.microsoft.com/office/powerpoint/2010/main" xmlns:a="http://schemas.openxmlformats.org/drawingml/2006/main" xmlns:r="http://schemas.openxmlformats.org/officeDocument/2006/relationships" xmlns:p="http://schemas.openxmlformats.org/presentationml/2006/main" preserve="1" userDrawn="1">
   <p:cSld name="In Picture_Large Scale">
     <p:spTree>
       <p:nvGrpSpPr>
@@ -7158,7 +7158,7 @@
 </file>
 
 <file path=ppt/slideLayouts/slideLayout6.xml><?xml version="1.0" encoding="utf-8"?>
-<p:sldLayout xmlns:a="http://schemas.openxmlformats.org/drawingml/2006/main" xmlns:r="http://schemas.openxmlformats.org/officeDocument/2006/relationships" xmlns:p="http://schemas.openxmlformats.org/presentationml/2006/main" preserve="1" userDrawn="1">
+<p:sldLayout xmlns:a16="http://schemas.microsoft.com/office/drawing/2014/main" xmlns:a14="http://schemas.microsoft.com/office/drawing/2010/main" xmlns:p14="http://schemas.microsoft.com/office/powerpoint/2010/main" xmlns:a="http://schemas.openxmlformats.org/drawingml/2006/main" xmlns:r="http://schemas.openxmlformats.org/officeDocument/2006/relationships" xmlns:p="http://schemas.openxmlformats.org/presentationml/2006/main" preserve="1" userDrawn="1">
   <p:cSld name="Content Slide_No Eyebrow">
     <p:spTree>
       <p:nvGrpSpPr>
@@ -8307,7 +8307,7 @@
 </file>
 
 <file path=ppt/slideLayouts/slideLayout7.xml><?xml version="1.0" encoding="utf-8"?>
-<p:sldLayout xmlns:a="http://schemas.openxmlformats.org/drawingml/2006/main" xmlns:r="http://schemas.openxmlformats.org/officeDocument/2006/relationships" xmlns:p="http://schemas.openxmlformats.org/presentationml/2006/main" preserve="1" userDrawn="1">
+<p:sldLayout xmlns:a16="http://schemas.microsoft.com/office/drawing/2014/main" xmlns:asvg="http://schemas.microsoft.com/office/drawing/2016/SVG/main" xmlns:p14="http://schemas.microsoft.com/office/powerpoint/2010/main" xmlns:a="http://schemas.openxmlformats.org/drawingml/2006/main" xmlns:r="http://schemas.openxmlformats.org/officeDocument/2006/relationships" xmlns:p="http://schemas.openxmlformats.org/presentationml/2006/main" preserve="1" userDrawn="1">
   <p:cSld name="1_Circuitry_Primary Colors">
     <p:spTree>
       <p:nvGrpSpPr>
@@ -8628,7 +8628,7 @@
 </file>
 
 <file path=ppt/slideLayouts/slideLayout8.xml><?xml version="1.0" encoding="utf-8"?>
-<p:sldLayout xmlns:a="http://schemas.openxmlformats.org/drawingml/2006/main" xmlns:r="http://schemas.openxmlformats.org/officeDocument/2006/relationships" xmlns:p="http://schemas.openxmlformats.org/presentationml/2006/main" userDrawn="1">
+<p:sldLayout xmlns:a16="http://schemas.microsoft.com/office/drawing/2014/main" xmlns:a14="http://schemas.microsoft.com/office/drawing/2010/main" xmlns:ahyp="http://schemas.microsoft.com/office/drawing/2018/hyperlinkcolor" xmlns:p14="http://schemas.microsoft.com/office/powerpoint/2010/main" xmlns:a="http://schemas.openxmlformats.org/drawingml/2006/main" xmlns:r="http://schemas.openxmlformats.org/officeDocument/2006/relationships" xmlns:p="http://schemas.openxmlformats.org/presentationml/2006/main" userDrawn="1">
   <p:cSld name="Thank You Slide">
     <p:spTree>
       <p:nvGrpSpPr>
@@ -9213,7 +9213,7 @@
 </file>
 
 <file path=ppt/slideMasters/slideMaster1.xml><?xml version="1.0" encoding="utf-8"?>
-<p:sldMaster xmlns:a="http://schemas.openxmlformats.org/drawingml/2006/main" xmlns:r="http://schemas.openxmlformats.org/officeDocument/2006/relationships" xmlns:p="http://schemas.openxmlformats.org/presentationml/2006/main">
+<p:sldMaster xmlns:a16="http://schemas.microsoft.com/office/drawing/2014/main" xmlns:p14="http://schemas.microsoft.com/office/powerpoint/2010/main" xmlns:p15="http://schemas.microsoft.com/office/powerpoint/2012/main" xmlns:a="http://schemas.openxmlformats.org/drawingml/2006/main" xmlns:r="http://schemas.openxmlformats.org/officeDocument/2006/relationships" xmlns:p="http://schemas.openxmlformats.org/presentationml/2006/main">
   <p:cSld>
     <p:bg>
       <p:bgRef idx="1001">
@@ -9649,7 +9649,7 @@
 </file>
 
 <file path=ppt/slides/slide1.xml><?xml version="1.0" encoding="utf-8"?>
-<p:sld xmlns:a="http://schemas.openxmlformats.org/drawingml/2006/main" xmlns:r="http://schemas.openxmlformats.org/officeDocument/2006/relationships" xmlns:p="http://schemas.openxmlformats.org/presentationml/2006/main">
+<p:sld xmlns:a16="http://schemas.microsoft.com/office/drawing/2014/main" xmlns:a14="http://schemas.microsoft.com/office/drawing/2010/main" xmlns:p14="http://schemas.microsoft.com/office/powerpoint/2010/main" xmlns:a="http://schemas.openxmlformats.org/drawingml/2006/main" xmlns:r="http://schemas.openxmlformats.org/officeDocument/2006/relationships" xmlns:p="http://schemas.openxmlformats.org/presentationml/2006/main">
   <p:cSld>
     <p:spTree>
       <p:nvGrpSpPr>
@@ -9775,7 +9775,7 @@
 </file>
 
 <file path=ppt/slides/slide2.xml><?xml version="1.0" encoding="utf-8"?>
-<p:sld xmlns:a="http://schemas.openxmlformats.org/drawingml/2006/main" xmlns:r="http://schemas.openxmlformats.org/officeDocument/2006/relationships" xmlns:p="http://schemas.openxmlformats.org/presentationml/2006/main">
+<p:sld xmlns:a16="http://schemas.microsoft.com/office/drawing/2014/main" xmlns:a14="http://schemas.microsoft.com/office/drawing/2010/main" xmlns:p14="http://schemas.microsoft.com/office/powerpoint/2010/main" xmlns:a="http://schemas.openxmlformats.org/drawingml/2006/main" xmlns:r="http://schemas.openxmlformats.org/officeDocument/2006/relationships" xmlns:p="http://schemas.openxmlformats.org/presentationml/2006/main">
   <p:cSld>
     <p:spTree>
       <p:nvGrpSpPr>
@@ -10363,7 +10363,7 @@
 </file>
 
 <file path=ppt/slides/slide3.xml><?xml version="1.0" encoding="utf-8"?>
-<p:sld xmlns:a="http://schemas.openxmlformats.org/drawingml/2006/main" xmlns:r="http://schemas.openxmlformats.org/officeDocument/2006/relationships" xmlns:p="http://schemas.openxmlformats.org/presentationml/2006/main">
+<p:sld xmlns:a16="http://schemas.microsoft.com/office/drawing/2014/main" xmlns:a14="http://schemas.microsoft.com/office/drawing/2010/main" xmlns:p14="http://schemas.microsoft.com/office/powerpoint/2010/main" xmlns:a="http://schemas.openxmlformats.org/drawingml/2006/main" xmlns:r="http://schemas.openxmlformats.org/officeDocument/2006/relationships" xmlns:p="http://schemas.openxmlformats.org/presentationml/2006/main">
   <p:cSld>
     <p:spTree>
       <p:nvGrpSpPr>
@@ -10764,7 +10764,7 @@
                 <a:latin typeface="Roboto Medium" panose="02000000000000000000" pitchFamily="2" charset="0"/>
                 <a:ea typeface="Roboto Medium" panose="02000000000000000000" pitchFamily="2" charset="0"/>
               </a:rPr>
-              <a:t>{{CustomerName}}</a:t>
+              <a:t>A. Datum Corporation</a:t>
             </a:r>
           </a:p>
         </p:txBody>
@@ -11285,7 +11285,7 @@
 </file>
 
 <file path=ppt/slides/slide4.xml><?xml version="1.0" encoding="utf-8"?>
-<p:sld xmlns:a="http://schemas.openxmlformats.org/drawingml/2006/main" xmlns:r="http://schemas.openxmlformats.org/officeDocument/2006/relationships" xmlns:p="http://schemas.openxmlformats.org/presentationml/2006/main">
+<p:sld xmlns:a16="http://schemas.microsoft.com/office/drawing/2014/main" xmlns:asvg="http://schemas.microsoft.com/office/drawing/2016/SVG/main" xmlns:p14="http://schemas.microsoft.com/office/powerpoint/2010/main" xmlns:a="http://schemas.openxmlformats.org/drawingml/2006/main" xmlns:r="http://schemas.openxmlformats.org/officeDocument/2006/relationships" xmlns:p="http://schemas.openxmlformats.org/presentationml/2006/main">
   <p:cSld>
     <p:spTree>
       <p:nvGrpSpPr>
@@ -12547,7 +12547,7 @@
 </file>
 
 <file path=ppt/slides/slide5.xml><?xml version="1.0" encoding="utf-8"?>
-<p:sld xmlns:a="http://schemas.openxmlformats.org/drawingml/2006/main" xmlns:r="http://schemas.openxmlformats.org/officeDocument/2006/relationships" xmlns:p="http://schemas.openxmlformats.org/presentationml/2006/main">
+<p:sld xmlns:a16="http://schemas.microsoft.com/office/drawing/2014/main" xmlns:p14="http://schemas.microsoft.com/office/powerpoint/2010/main" xmlns:a="http://schemas.openxmlformats.org/drawingml/2006/main" xmlns:r="http://schemas.openxmlformats.org/officeDocument/2006/relationships" xmlns:p="http://schemas.openxmlformats.org/presentationml/2006/main">
   <p:cSld>
     <p:spTree>
       <p:nvGrpSpPr>
@@ -12677,7 +12677,7 @@
 </file>
 
 <file path=ppt/slides/slide6.xml><?xml version="1.0" encoding="utf-8"?>
-<p:sld xmlns:a="http://schemas.openxmlformats.org/drawingml/2006/main" xmlns:r="http://schemas.openxmlformats.org/officeDocument/2006/relationships" xmlns:p="http://schemas.openxmlformats.org/presentationml/2006/main">
+<p:sld xmlns:a16="http://schemas.microsoft.com/office/drawing/2014/main" xmlns:p14="http://schemas.microsoft.com/office/powerpoint/2010/main" xmlns:a="http://schemas.openxmlformats.org/drawingml/2006/main" xmlns:r="http://schemas.openxmlformats.org/officeDocument/2006/relationships" xmlns:p="http://schemas.openxmlformats.org/presentationml/2006/main">
   <p:cSld>
     <p:spTree>
       <p:nvGrpSpPr>
@@ -12986,7 +12986,7 @@
 </file>
 
 <file path=ppt/slides/slide7.xml><?xml version="1.0" encoding="utf-8"?>
-<p:sld xmlns:a="http://schemas.openxmlformats.org/drawingml/2006/main" xmlns:r="http://schemas.openxmlformats.org/officeDocument/2006/relationships" xmlns:p="http://schemas.openxmlformats.org/presentationml/2006/main">
+<p:sld xmlns:a16="http://schemas.microsoft.com/office/drawing/2014/main" xmlns:p14="http://schemas.microsoft.com/office/powerpoint/2010/main" xmlns:a="http://schemas.openxmlformats.org/drawingml/2006/main" xmlns:r="http://schemas.openxmlformats.org/officeDocument/2006/relationships" xmlns:p="http://schemas.openxmlformats.org/presentationml/2006/main">
   <p:cSld>
     <p:spTree>
       <p:nvGrpSpPr>
@@ -13443,7 +13443,7 @@
 </file>
 
 <file path=ppt/slides/slide8.xml><?xml version="1.0" encoding="utf-8"?>
-<p:sld xmlns:a="http://schemas.openxmlformats.org/drawingml/2006/main" xmlns:r="http://schemas.openxmlformats.org/officeDocument/2006/relationships" xmlns:p="http://schemas.openxmlformats.org/presentationml/2006/main">
+<p:sld xmlns:a16="http://schemas.microsoft.com/office/drawing/2014/main" xmlns:asvg="http://schemas.microsoft.com/office/drawing/2016/SVG/main" xmlns:p14="http://schemas.microsoft.com/office/powerpoint/2010/main" xmlns:a="http://schemas.openxmlformats.org/drawingml/2006/main" xmlns:r="http://schemas.openxmlformats.org/officeDocument/2006/relationships" xmlns:p="http://schemas.openxmlformats.org/presentationml/2006/main">
   <p:cSld>
     <p:spTree>
       <p:nvGrpSpPr>
@@ -14352,7 +14352,7 @@
 </file>
 
 <file path=ppt/slides/slide9.xml><?xml version="1.0" encoding="utf-8"?>
-<p:sld xmlns:a="http://schemas.openxmlformats.org/drawingml/2006/main" xmlns:r="http://schemas.openxmlformats.org/officeDocument/2006/relationships" xmlns:p="http://schemas.openxmlformats.org/presentationml/2006/main">
+<p:sld xmlns:a16="http://schemas.microsoft.com/office/drawing/2014/main" xmlns:p14="http://schemas.microsoft.com/office/powerpoint/2010/main" xmlns:a="http://schemas.openxmlformats.org/drawingml/2006/main" xmlns:r="http://schemas.openxmlformats.org/officeDocument/2006/relationships" xmlns:p="http://schemas.openxmlformats.org/presentationml/2006/main">
   <p:cSld>
     <p:spTree>
       <p:nvGrpSpPr>

--- a/create-a-project-from-cost-opt-20260216155253/artifacts/kickoff-deck.pptx
+++ b/create-a-project-from-cost-opt-20260216155253/artifacts/kickoff-deck.pptx
@@ -20,6 +20,8 @@
     <p:sldId id="858" r:id="rId11"/>
     <p:sldId id="859" r:id="rId12"/>
     <p:sldId id="554" r:id="rId13"/>
+    <p:sldId id="901" r:id="rId35"/>
+    <p:sldId id="902" r:id="rId36"/>
   </p:sldIdLst>
   <p:sldSz cx="12192000" cy="6858000"/>
   <p:notesSz cx="6858000" cy="9144000"/>
@@ -9767,6 +9769,206 @@
         <p14:creationId xmlns:p14="http://schemas.microsoft.com/office/powerpoint/2010/main" val="247990684"/>
       </p:ext>
     </p:extLst>
+  </p:cSld>
+  <p:clrMapOvr>
+    <a:masterClrMapping/>
+  </p:clrMapOvr>
+</p:sld>
+</file>
+
+<file path=ppt/slides/slide10.xml><?xml version="1.0" encoding="utf-8"?>
+<p:sld xmlns:a="http://schemas.openxmlformats.org/drawingml/2006/main" xmlns:p="http://schemas.openxmlformats.org/presentationml/2006/main" xmlns:r="http://schemas.openxmlformats.org/officeDocument/2006/relationships">
+  <p:cSld>
+    <p:spTree>
+      <p:nvGrpSpPr>
+        <p:cNvPr id="1" name=""/>
+        <p:cNvGrpSpPr/>
+        <p:nvPr/>
+      </p:nvGrpSpPr>
+      <p:grpSpPr/>
+      <p:sp>
+        <p:nvSpPr>
+          <p:cNvPr id="2" name="Text Placeholder 1"/>
+          <p:cNvSpPr>
+            <a:spLocks noGrp="1"/>
+          </p:cNvSpPr>
+          <p:nvPr>
+            <p:ph type="body" idx="10" sz="quarter"/>
+          </p:nvPr>
+        </p:nvSpPr>
+        <p:spPr/>
+        <p:txBody>
+          <a:bodyPr/>
+          <a:lstStyle/>
+          <a:p>
+            <a:r>
+              <a:t>Meeting Summary</a:t>
+            </a:r>
+          </a:p>
+        </p:txBody>
+      </p:sp>
+      <p:sp>
+        <p:nvSpPr>
+          <p:cNvPr id="3" name="Text Placeholder 2"/>
+          <p:cNvSpPr>
+            <a:spLocks noGrp="1"/>
+          </p:cNvSpPr>
+          <p:nvPr>
+            <p:ph type="body" idx="11" sz="quarter"/>
+          </p:nvPr>
+        </p:nvSpPr>
+        <p:spPr/>
+        <p:txBody>
+          <a:bodyPr/>
+          <a:lstStyle/>
+          <a:p>
+            <a:r>
+              <a:t>Azure Cost Implementation Kickoff</a:t>
+            </a:r>
+          </a:p>
+        </p:txBody>
+      </p:sp>
+      <p:sp>
+        <p:nvSpPr>
+          <p:cNvPr id="4" name="Text Placeholder 3"/>
+          <p:cNvSpPr>
+            <a:spLocks noGrp="1"/>
+          </p:cNvSpPr>
+          <p:nvPr>
+            <p:ph type="body" idx="12" sz="quarter"/>
+          </p:nvPr>
+        </p:nvSpPr>
+        <p:spPr/>
+        <p:txBody>
+          <a:bodyPr/>
+          <a:lstStyle/>
+          <a:p>
+            <a:pPr/>
+            <a:r>
+              <a:t>Demonstration of viewbox functionality and project status</a:t>
+            </a:r>
+          </a:p>
+          <a:p>
+            <a:pPr/>
+            <a:r>
+              <a:t>Current development progressing excellently</a:t>
+            </a:r>
+          </a:p>
+          <a:p>
+            <a:pPr/>
+            <a:r>
+              <a:t>All systems functioning well</a:t>
+            </a:r>
+          </a:p>
+          <a:p>
+            <a:pPr/>
+            <a:r>
+              <a:t>Transcription service verified and operational</a:t>
+            </a:r>
+          </a:p>
+        </p:txBody>
+      </p:sp>
+    </p:spTree>
+  </p:cSld>
+  <p:clrMapOvr>
+    <a:masterClrMapping/>
+  </p:clrMapOvr>
+</p:sld>
+</file>
+
+<file path=ppt/slides/slide11.xml><?xml version="1.0" encoding="utf-8"?>
+<p:sld xmlns:a="http://schemas.openxmlformats.org/drawingml/2006/main" xmlns:p="http://schemas.openxmlformats.org/presentationml/2006/main" xmlns:r="http://schemas.openxmlformats.org/officeDocument/2006/relationships">
+  <p:cSld>
+    <p:spTree>
+      <p:nvGrpSpPr>
+        <p:cNvPr id="1" name=""/>
+        <p:cNvGrpSpPr/>
+        <p:nvPr/>
+      </p:nvGrpSpPr>
+      <p:grpSpPr/>
+      <p:sp>
+        <p:nvSpPr>
+          <p:cNvPr id="2" name="Text Placeholder 1"/>
+          <p:cNvSpPr>
+            <a:spLocks noGrp="1"/>
+          </p:cNvSpPr>
+          <p:nvPr>
+            <p:ph type="body" idx="10" sz="quarter"/>
+          </p:nvPr>
+        </p:nvSpPr>
+        <p:spPr/>
+        <p:txBody>
+          <a:bodyPr/>
+          <a:lstStyle/>
+          <a:p>
+            <a:r>
+              <a:t>Agreed Recommendations &amp; Action Items</a:t>
+            </a:r>
+          </a:p>
+        </p:txBody>
+      </p:sp>
+      <p:sp>
+        <p:nvSpPr>
+          <p:cNvPr id="3" name="Text Placeholder 2"/>
+          <p:cNvSpPr>
+            <a:spLocks noGrp="1"/>
+          </p:cNvSpPr>
+          <p:nvPr>
+            <p:ph type="body" idx="11" sz="quarter"/>
+          </p:nvPr>
+        </p:nvSpPr>
+        <p:spPr/>
+        <p:txBody>
+          <a:bodyPr/>
+          <a:lstStyle/>
+          <a:p>
+            <a:r>
+              <a:t>Azure Cost Implementation Kickoff</a:t>
+            </a:r>
+          </a:p>
+        </p:txBody>
+      </p:sp>
+      <p:sp>
+        <p:nvSpPr>
+          <p:cNvPr id="4" name="Text Placeholder 3"/>
+          <p:cNvSpPr>
+            <a:spLocks noGrp="1"/>
+          </p:cNvSpPr>
+          <p:nvPr>
+            <p:ph type="body" idx="12" sz="quarter"/>
+          </p:nvPr>
+        </p:nvSpPr>
+        <p:spPr/>
+        <p:txBody>
+          <a:bodyPr/>
+          <a:lstStyle/>
+          <a:p>
+            <a:pPr/>
+            <a:r>
+              <a:t>RECOMMENDATIONS:</a:t>
+            </a:r>
+          </a:p>
+          <a:p>
+            <a:pPr/>
+            <a:r>
+              <a:t>None explicitly mentioned.</a:t>
+            </a:r>
+          </a:p>
+          <a:p>
+            <a:pPr/>
+            <a:r>
+              <a:t>ACTION ITEMS:</a:t>
+            </a:r>
+          </a:p>
+          <a:p>
+            <a:pPr/>
+            <a:r>
+              <a:t>None explicitly mentioned.</a:t>
+            </a:r>
+          </a:p>
+        </p:txBody>
+      </p:sp>
+    </p:spTree>
   </p:cSld>
   <p:clrMapOvr>
     <a:masterClrMapping/>
